--- a/Examples/Ex12/discretizaciones y matrices.pptx
+++ b/Examples/Ex12/discretizaciones y matrices.pptx
@@ -6,6 +6,7 @@
   </p:sldMasterIdLst>
   <p:sldIdLst>
     <p:sldId id="256" r:id="rId2"/>
+    <p:sldId id="257" r:id="rId3"/>
   </p:sldIdLst>
   <p:sldSz cx="12192000" cy="6858000"/>
   <p:notesSz cx="6858000" cy="9144000"/>
@@ -104,6 +105,11 @@
       </a:defRPr>
     </a:lvl9pPr>
   </p:defaultTextStyle>
+  <p:extLst>
+    <p:ext uri="{EFAFB233-063F-42B5-8137-9DF3F51BA10A}">
+      <p15:sldGuideLst xmlns:p15="http://schemas.microsoft.com/office/powerpoint/2012/main"/>
+    </p:ext>
+  </p:extLst>
 </p:presentation>
 </file>
 
@@ -238,7 +244,7 @@
           <a:p>
             <a:fld id="{37CB03BF-BAF2-45A8-AAA3-48907A9D74EB}" type="datetimeFigureOut">
               <a:rPr lang="es-AR" smtClean="0"/>
-              <a:t>29/12/2020</a:t>
+              <a:t>5/1/2021</a:t>
             </a:fld>
             <a:endParaRPr lang="es-AR"/>
           </a:p>
@@ -408,7 +414,7 @@
           <a:p>
             <a:fld id="{37CB03BF-BAF2-45A8-AAA3-48907A9D74EB}" type="datetimeFigureOut">
               <a:rPr lang="es-AR" smtClean="0"/>
-              <a:t>29/12/2020</a:t>
+              <a:t>5/1/2021</a:t>
             </a:fld>
             <a:endParaRPr lang="es-AR"/>
           </a:p>
@@ -588,7 +594,7 @@
           <a:p>
             <a:fld id="{37CB03BF-BAF2-45A8-AAA3-48907A9D74EB}" type="datetimeFigureOut">
               <a:rPr lang="es-AR" smtClean="0"/>
-              <a:t>29/12/2020</a:t>
+              <a:t>5/1/2021</a:t>
             </a:fld>
             <a:endParaRPr lang="es-AR"/>
           </a:p>
@@ -758,7 +764,7 @@
           <a:p>
             <a:fld id="{37CB03BF-BAF2-45A8-AAA3-48907A9D74EB}" type="datetimeFigureOut">
               <a:rPr lang="es-AR" smtClean="0"/>
-              <a:t>29/12/2020</a:t>
+              <a:t>5/1/2021</a:t>
             </a:fld>
             <a:endParaRPr lang="es-AR"/>
           </a:p>
@@ -1004,7 +1010,7 @@
           <a:p>
             <a:fld id="{37CB03BF-BAF2-45A8-AAA3-48907A9D74EB}" type="datetimeFigureOut">
               <a:rPr lang="es-AR" smtClean="0"/>
-              <a:t>29/12/2020</a:t>
+              <a:t>5/1/2021</a:t>
             </a:fld>
             <a:endParaRPr lang="es-AR"/>
           </a:p>
@@ -1236,7 +1242,7 @@
           <a:p>
             <a:fld id="{37CB03BF-BAF2-45A8-AAA3-48907A9D74EB}" type="datetimeFigureOut">
               <a:rPr lang="es-AR" smtClean="0"/>
-              <a:t>29/12/2020</a:t>
+              <a:t>5/1/2021</a:t>
             </a:fld>
             <a:endParaRPr lang="es-AR"/>
           </a:p>
@@ -1603,7 +1609,7 @@
           <a:p>
             <a:fld id="{37CB03BF-BAF2-45A8-AAA3-48907A9D74EB}" type="datetimeFigureOut">
               <a:rPr lang="es-AR" smtClean="0"/>
-              <a:t>29/12/2020</a:t>
+              <a:t>5/1/2021</a:t>
             </a:fld>
             <a:endParaRPr lang="es-AR"/>
           </a:p>
@@ -1721,7 +1727,7 @@
           <a:p>
             <a:fld id="{37CB03BF-BAF2-45A8-AAA3-48907A9D74EB}" type="datetimeFigureOut">
               <a:rPr lang="es-AR" smtClean="0"/>
-              <a:t>29/12/2020</a:t>
+              <a:t>5/1/2021</a:t>
             </a:fld>
             <a:endParaRPr lang="es-AR"/>
           </a:p>
@@ -1816,7 +1822,7 @@
           <a:p>
             <a:fld id="{37CB03BF-BAF2-45A8-AAA3-48907A9D74EB}" type="datetimeFigureOut">
               <a:rPr lang="es-AR" smtClean="0"/>
-              <a:t>29/12/2020</a:t>
+              <a:t>5/1/2021</a:t>
             </a:fld>
             <a:endParaRPr lang="es-AR"/>
           </a:p>
@@ -2093,7 +2099,7 @@
           <a:p>
             <a:fld id="{37CB03BF-BAF2-45A8-AAA3-48907A9D74EB}" type="datetimeFigureOut">
               <a:rPr lang="es-AR" smtClean="0"/>
-              <a:t>29/12/2020</a:t>
+              <a:t>5/1/2021</a:t>
             </a:fld>
             <a:endParaRPr lang="es-AR"/>
           </a:p>
@@ -2346,7 +2352,7 @@
           <a:p>
             <a:fld id="{37CB03BF-BAF2-45A8-AAA3-48907A9D74EB}" type="datetimeFigureOut">
               <a:rPr lang="es-AR" smtClean="0"/>
-              <a:t>29/12/2020</a:t>
+              <a:t>5/1/2021</a:t>
             </a:fld>
             <a:endParaRPr lang="es-AR"/>
           </a:p>
@@ -2559,7 +2565,7 @@
           <a:p>
             <a:fld id="{37CB03BF-BAF2-45A8-AAA3-48907A9D74EB}" type="datetimeFigureOut">
               <a:rPr lang="es-AR" smtClean="0"/>
-              <a:t>29/12/2020</a:t>
+              <a:t>5/1/2021</a:t>
             </a:fld>
             <a:endParaRPr lang="es-AR"/>
           </a:p>
@@ -3073,6 +3079,108 @@
 </p:sld>
 </file>
 
+<file path=ppt/slides/slide2.xml><?xml version="1.0" encoding="utf-8"?>
+<p:sld xmlns:a="http://schemas.openxmlformats.org/drawingml/2006/main" xmlns:r="http://schemas.openxmlformats.org/officeDocument/2006/relationships" xmlns:p="http://schemas.openxmlformats.org/presentationml/2006/main">
+  <p:cSld>
+    <p:spTree>
+      <p:nvGrpSpPr>
+        <p:cNvPr id="1" name=""/>
+        <p:cNvGrpSpPr/>
+        <p:nvPr/>
+      </p:nvGrpSpPr>
+      <p:grpSpPr>
+        <a:xfrm>
+          <a:off x="0" y="0"/>
+          <a:ext cx="0" cy="0"/>
+          <a:chOff x="0" y="0"/>
+          <a:chExt cx="0" cy="0"/>
+        </a:xfrm>
+      </p:grpSpPr>
+      <p:pic>
+        <p:nvPicPr>
+          <p:cNvPr id="4" name="Picture 3"/>
+          <p:cNvPicPr>
+            <a:picLocks noChangeAspect="1"/>
+          </p:cNvPicPr>
+          <p:nvPr/>
+        </p:nvPicPr>
+        <p:blipFill>
+          <a:blip r:embed="rId2"/>
+          <a:stretch>
+            <a:fillRect/>
+          </a:stretch>
+        </p:blipFill>
+        <p:spPr>
+          <a:xfrm>
+            <a:off x="163774" y="150125"/>
+            <a:ext cx="6115050" cy="2790825"/>
+          </a:xfrm>
+          <a:prstGeom prst="rect">
+            <a:avLst/>
+          </a:prstGeom>
+        </p:spPr>
+      </p:pic>
+      <p:pic>
+        <p:nvPicPr>
+          <p:cNvPr id="5" name="Picture 4"/>
+          <p:cNvPicPr>
+            <a:picLocks noChangeAspect="1"/>
+          </p:cNvPicPr>
+          <p:nvPr/>
+        </p:nvPicPr>
+        <p:blipFill>
+          <a:blip r:embed="rId3"/>
+          <a:stretch>
+            <a:fillRect/>
+          </a:stretch>
+        </p:blipFill>
+        <p:spPr>
+          <a:xfrm>
+            <a:off x="6528677" y="2671407"/>
+            <a:ext cx="5057775" cy="3562350"/>
+          </a:xfrm>
+          <a:prstGeom prst="rect">
+            <a:avLst/>
+          </a:prstGeom>
+        </p:spPr>
+      </p:pic>
+      <p:pic>
+        <p:nvPicPr>
+          <p:cNvPr id="6" name="Picture 5"/>
+          <p:cNvPicPr>
+            <a:picLocks noChangeAspect="1"/>
+          </p:cNvPicPr>
+          <p:nvPr/>
+        </p:nvPicPr>
+        <p:blipFill>
+          <a:blip r:embed="rId4"/>
+          <a:stretch>
+            <a:fillRect/>
+          </a:stretch>
+        </p:blipFill>
+        <p:spPr>
+          <a:xfrm>
+            <a:off x="1327245" y="5123099"/>
+            <a:ext cx="3505200" cy="733425"/>
+          </a:xfrm>
+          <a:prstGeom prst="rect">
+            <a:avLst/>
+          </a:prstGeom>
+        </p:spPr>
+      </p:pic>
+    </p:spTree>
+    <p:extLst>
+      <p:ext uri="{BB962C8B-B14F-4D97-AF65-F5344CB8AC3E}">
+        <p14:creationId xmlns:p14="http://schemas.microsoft.com/office/powerpoint/2010/main" val="3790175594"/>
+      </p:ext>
+    </p:extLst>
+  </p:cSld>
+  <p:clrMapOvr>
+    <a:masterClrMapping/>
+  </p:clrMapOvr>
+</p:sld>
+</file>
+
 <file path=ppt/theme/theme1.xml><?xml version="1.0" encoding="utf-8"?>
 <a:theme xmlns:a="http://schemas.openxmlformats.org/drawingml/2006/main" name="Office Theme">
   <a:themeElements>

--- a/Examples/Ex12/discretizaciones y matrices.pptx
+++ b/Examples/Ex12/discretizaciones y matrices.pptx
@@ -155,7 +155,7 @@
           </a:lstStyle>
           <a:p>
             <a:r>
-              <a:rPr lang="en-US" smtClean="0"/>
+              <a:rPr lang="en-US"/>
               <a:t>Click to edit Master title style</a:t>
             </a:r>
             <a:endParaRPr lang="es-AR"/>
@@ -220,7 +220,7 @@
           </a:lstStyle>
           <a:p>
             <a:r>
-              <a:rPr lang="en-US" smtClean="0"/>
+              <a:rPr lang="en-US"/>
               <a:t>Click to edit Master subtitle style</a:t>
             </a:r>
             <a:endParaRPr lang="es-AR"/>
@@ -286,7 +286,7 @@
           <a:p>
             <a:fld id="{B5D4244E-F43E-4A3E-B15D-5267BC1062C4}" type="slidenum">
               <a:rPr lang="es-AR" smtClean="0"/>
-              <a:t>‹#›</a:t>
+              <a:t>‹Nº›</a:t>
             </a:fld>
             <a:endParaRPr lang="es-AR"/>
           </a:p>
@@ -338,7 +338,7 @@
           <a:lstStyle/>
           <a:p>
             <a:r>
-              <a:rPr lang="en-US" smtClean="0"/>
+              <a:rPr lang="en-US"/>
               <a:t>Click to edit Master title style</a:t>
             </a:r>
             <a:endParaRPr lang="es-AR"/>
@@ -362,35 +362,35 @@
           <a:p>
             <a:pPr lvl="0"/>
             <a:r>
-              <a:rPr lang="en-US" smtClean="0"/>
+              <a:rPr lang="en-US"/>
               <a:t>Click to edit Master text styles</a:t>
             </a:r>
           </a:p>
           <a:p>
             <a:pPr lvl="1"/>
             <a:r>
-              <a:rPr lang="en-US" smtClean="0"/>
+              <a:rPr lang="en-US"/>
               <a:t>Second level</a:t>
             </a:r>
           </a:p>
           <a:p>
             <a:pPr lvl="2"/>
             <a:r>
-              <a:rPr lang="en-US" smtClean="0"/>
+              <a:rPr lang="en-US"/>
               <a:t>Third level</a:t>
             </a:r>
           </a:p>
           <a:p>
             <a:pPr lvl="3"/>
             <a:r>
-              <a:rPr lang="en-US" smtClean="0"/>
+              <a:rPr lang="en-US"/>
               <a:t>Fourth level</a:t>
             </a:r>
           </a:p>
           <a:p>
             <a:pPr lvl="4"/>
             <a:r>
-              <a:rPr lang="en-US" smtClean="0"/>
+              <a:rPr lang="en-US"/>
               <a:t>Fifth level</a:t>
             </a:r>
             <a:endParaRPr lang="es-AR"/>
@@ -456,7 +456,7 @@
           <a:p>
             <a:fld id="{B5D4244E-F43E-4A3E-B15D-5267BC1062C4}" type="slidenum">
               <a:rPr lang="es-AR" smtClean="0"/>
-              <a:t>‹#›</a:t>
+              <a:t>‹Nº›</a:t>
             </a:fld>
             <a:endParaRPr lang="es-AR"/>
           </a:p>
@@ -513,7 +513,7 @@
           <a:lstStyle/>
           <a:p>
             <a:r>
-              <a:rPr lang="en-US" smtClean="0"/>
+              <a:rPr lang="en-US"/>
               <a:t>Click to edit Master title style</a:t>
             </a:r>
             <a:endParaRPr lang="es-AR"/>
@@ -542,35 +542,35 @@
           <a:p>
             <a:pPr lvl="0"/>
             <a:r>
-              <a:rPr lang="en-US" smtClean="0"/>
+              <a:rPr lang="en-US"/>
               <a:t>Click to edit Master text styles</a:t>
             </a:r>
           </a:p>
           <a:p>
             <a:pPr lvl="1"/>
             <a:r>
-              <a:rPr lang="en-US" smtClean="0"/>
+              <a:rPr lang="en-US"/>
               <a:t>Second level</a:t>
             </a:r>
           </a:p>
           <a:p>
             <a:pPr lvl="2"/>
             <a:r>
-              <a:rPr lang="en-US" smtClean="0"/>
+              <a:rPr lang="en-US"/>
               <a:t>Third level</a:t>
             </a:r>
           </a:p>
           <a:p>
             <a:pPr lvl="3"/>
             <a:r>
-              <a:rPr lang="en-US" smtClean="0"/>
+              <a:rPr lang="en-US"/>
               <a:t>Fourth level</a:t>
             </a:r>
           </a:p>
           <a:p>
             <a:pPr lvl="4"/>
             <a:r>
-              <a:rPr lang="en-US" smtClean="0"/>
+              <a:rPr lang="en-US"/>
               <a:t>Fifth level</a:t>
             </a:r>
             <a:endParaRPr lang="es-AR"/>
@@ -636,7 +636,7 @@
           <a:p>
             <a:fld id="{B5D4244E-F43E-4A3E-B15D-5267BC1062C4}" type="slidenum">
               <a:rPr lang="es-AR" smtClean="0"/>
-              <a:t>‹#›</a:t>
+              <a:t>‹Nº›</a:t>
             </a:fld>
             <a:endParaRPr lang="es-AR"/>
           </a:p>
@@ -688,7 +688,7 @@
           <a:lstStyle/>
           <a:p>
             <a:r>
-              <a:rPr lang="en-US" smtClean="0"/>
+              <a:rPr lang="en-US"/>
               <a:t>Click to edit Master title style</a:t>
             </a:r>
             <a:endParaRPr lang="es-AR"/>
@@ -712,35 +712,35 @@
           <a:p>
             <a:pPr lvl="0"/>
             <a:r>
-              <a:rPr lang="en-US" smtClean="0"/>
+              <a:rPr lang="en-US"/>
               <a:t>Click to edit Master text styles</a:t>
             </a:r>
           </a:p>
           <a:p>
             <a:pPr lvl="1"/>
             <a:r>
-              <a:rPr lang="en-US" smtClean="0"/>
+              <a:rPr lang="en-US"/>
               <a:t>Second level</a:t>
             </a:r>
           </a:p>
           <a:p>
             <a:pPr lvl="2"/>
             <a:r>
-              <a:rPr lang="en-US" smtClean="0"/>
+              <a:rPr lang="en-US"/>
               <a:t>Third level</a:t>
             </a:r>
           </a:p>
           <a:p>
             <a:pPr lvl="3"/>
             <a:r>
-              <a:rPr lang="en-US" smtClean="0"/>
+              <a:rPr lang="en-US"/>
               <a:t>Fourth level</a:t>
             </a:r>
           </a:p>
           <a:p>
             <a:pPr lvl="4"/>
             <a:r>
-              <a:rPr lang="en-US" smtClean="0"/>
+              <a:rPr lang="en-US"/>
               <a:t>Fifth level</a:t>
             </a:r>
             <a:endParaRPr lang="es-AR"/>
@@ -806,7 +806,7 @@
           <a:p>
             <a:fld id="{B5D4244E-F43E-4A3E-B15D-5267BC1062C4}" type="slidenum">
               <a:rPr lang="es-AR" smtClean="0"/>
-              <a:t>‹#›</a:t>
+              <a:t>‹Nº›</a:t>
             </a:fld>
             <a:endParaRPr lang="es-AR"/>
           </a:p>
@@ -867,7 +867,7 @@
           </a:lstStyle>
           <a:p>
             <a:r>
-              <a:rPr lang="en-US" smtClean="0"/>
+              <a:rPr lang="en-US"/>
               <a:t>Click to edit Master title style</a:t>
             </a:r>
             <a:endParaRPr lang="es-AR"/>
@@ -987,7 +987,7 @@
           <a:p>
             <a:pPr lvl="0"/>
             <a:r>
-              <a:rPr lang="en-US" smtClean="0"/>
+              <a:rPr lang="en-US"/>
               <a:t>Click to edit Master text styles</a:t>
             </a:r>
           </a:p>
@@ -1052,7 +1052,7 @@
           <a:p>
             <a:fld id="{B5D4244E-F43E-4A3E-B15D-5267BC1062C4}" type="slidenum">
               <a:rPr lang="es-AR" smtClean="0"/>
-              <a:t>‹#›</a:t>
+              <a:t>‹Nº›</a:t>
             </a:fld>
             <a:endParaRPr lang="es-AR"/>
           </a:p>
@@ -1104,7 +1104,7 @@
           <a:lstStyle/>
           <a:p>
             <a:r>
-              <a:rPr lang="en-US" smtClean="0"/>
+              <a:rPr lang="en-US"/>
               <a:t>Click to edit Master title style</a:t>
             </a:r>
             <a:endParaRPr lang="es-AR"/>
@@ -1133,35 +1133,35 @@
           <a:p>
             <a:pPr lvl="0"/>
             <a:r>
-              <a:rPr lang="en-US" smtClean="0"/>
+              <a:rPr lang="en-US"/>
               <a:t>Click to edit Master text styles</a:t>
             </a:r>
           </a:p>
           <a:p>
             <a:pPr lvl="1"/>
             <a:r>
-              <a:rPr lang="en-US" smtClean="0"/>
+              <a:rPr lang="en-US"/>
               <a:t>Second level</a:t>
             </a:r>
           </a:p>
           <a:p>
             <a:pPr lvl="2"/>
             <a:r>
-              <a:rPr lang="en-US" smtClean="0"/>
+              <a:rPr lang="en-US"/>
               <a:t>Third level</a:t>
             </a:r>
           </a:p>
           <a:p>
             <a:pPr lvl="3"/>
             <a:r>
-              <a:rPr lang="en-US" smtClean="0"/>
+              <a:rPr lang="en-US"/>
               <a:t>Fourth level</a:t>
             </a:r>
           </a:p>
           <a:p>
             <a:pPr lvl="4"/>
             <a:r>
-              <a:rPr lang="en-US" smtClean="0"/>
+              <a:rPr lang="en-US"/>
               <a:t>Fifth level</a:t>
             </a:r>
             <a:endParaRPr lang="es-AR"/>
@@ -1190,35 +1190,35 @@
           <a:p>
             <a:pPr lvl="0"/>
             <a:r>
-              <a:rPr lang="en-US" smtClean="0"/>
+              <a:rPr lang="en-US"/>
               <a:t>Click to edit Master text styles</a:t>
             </a:r>
           </a:p>
           <a:p>
             <a:pPr lvl="1"/>
             <a:r>
-              <a:rPr lang="en-US" smtClean="0"/>
+              <a:rPr lang="en-US"/>
               <a:t>Second level</a:t>
             </a:r>
           </a:p>
           <a:p>
             <a:pPr lvl="2"/>
             <a:r>
-              <a:rPr lang="en-US" smtClean="0"/>
+              <a:rPr lang="en-US"/>
               <a:t>Third level</a:t>
             </a:r>
           </a:p>
           <a:p>
             <a:pPr lvl="3"/>
             <a:r>
-              <a:rPr lang="en-US" smtClean="0"/>
+              <a:rPr lang="en-US"/>
               <a:t>Fourth level</a:t>
             </a:r>
           </a:p>
           <a:p>
             <a:pPr lvl="4"/>
             <a:r>
-              <a:rPr lang="en-US" smtClean="0"/>
+              <a:rPr lang="en-US"/>
               <a:t>Fifth level</a:t>
             </a:r>
             <a:endParaRPr lang="es-AR"/>
@@ -1284,7 +1284,7 @@
           <a:p>
             <a:fld id="{B5D4244E-F43E-4A3E-B15D-5267BC1062C4}" type="slidenum">
               <a:rPr lang="es-AR" smtClean="0"/>
-              <a:t>‹#›</a:t>
+              <a:t>‹Nº›</a:t>
             </a:fld>
             <a:endParaRPr lang="es-AR"/>
           </a:p>
@@ -1341,7 +1341,7 @@
           <a:lstStyle/>
           <a:p>
             <a:r>
-              <a:rPr lang="en-US" smtClean="0"/>
+              <a:rPr lang="en-US"/>
               <a:t>Click to edit Master title style</a:t>
             </a:r>
             <a:endParaRPr lang="es-AR"/>
@@ -1407,7 +1407,7 @@
           <a:p>
             <a:pPr lvl="0"/>
             <a:r>
-              <a:rPr lang="en-US" smtClean="0"/>
+              <a:rPr lang="en-US"/>
               <a:t>Click to edit Master text styles</a:t>
             </a:r>
           </a:p>
@@ -1435,35 +1435,35 @@
           <a:p>
             <a:pPr lvl="0"/>
             <a:r>
-              <a:rPr lang="en-US" smtClean="0"/>
+              <a:rPr lang="en-US"/>
               <a:t>Click to edit Master text styles</a:t>
             </a:r>
           </a:p>
           <a:p>
             <a:pPr lvl="1"/>
             <a:r>
-              <a:rPr lang="en-US" smtClean="0"/>
+              <a:rPr lang="en-US"/>
               <a:t>Second level</a:t>
             </a:r>
           </a:p>
           <a:p>
             <a:pPr lvl="2"/>
             <a:r>
-              <a:rPr lang="en-US" smtClean="0"/>
+              <a:rPr lang="en-US"/>
               <a:t>Third level</a:t>
             </a:r>
           </a:p>
           <a:p>
             <a:pPr lvl="3"/>
             <a:r>
-              <a:rPr lang="en-US" smtClean="0"/>
+              <a:rPr lang="en-US"/>
               <a:t>Fourth level</a:t>
             </a:r>
           </a:p>
           <a:p>
             <a:pPr lvl="4"/>
             <a:r>
-              <a:rPr lang="en-US" smtClean="0"/>
+              <a:rPr lang="en-US"/>
               <a:t>Fifth level</a:t>
             </a:r>
             <a:endParaRPr lang="es-AR"/>
@@ -1529,7 +1529,7 @@
           <a:p>
             <a:pPr lvl="0"/>
             <a:r>
-              <a:rPr lang="en-US" smtClean="0"/>
+              <a:rPr lang="en-US"/>
               <a:t>Click to edit Master text styles</a:t>
             </a:r>
           </a:p>
@@ -1557,35 +1557,35 @@
           <a:p>
             <a:pPr lvl="0"/>
             <a:r>
-              <a:rPr lang="en-US" smtClean="0"/>
+              <a:rPr lang="en-US"/>
               <a:t>Click to edit Master text styles</a:t>
             </a:r>
           </a:p>
           <a:p>
             <a:pPr lvl="1"/>
             <a:r>
-              <a:rPr lang="en-US" smtClean="0"/>
+              <a:rPr lang="en-US"/>
               <a:t>Second level</a:t>
             </a:r>
           </a:p>
           <a:p>
             <a:pPr lvl="2"/>
             <a:r>
-              <a:rPr lang="en-US" smtClean="0"/>
+              <a:rPr lang="en-US"/>
               <a:t>Third level</a:t>
             </a:r>
           </a:p>
           <a:p>
             <a:pPr lvl="3"/>
             <a:r>
-              <a:rPr lang="en-US" smtClean="0"/>
+              <a:rPr lang="en-US"/>
               <a:t>Fourth level</a:t>
             </a:r>
           </a:p>
           <a:p>
             <a:pPr lvl="4"/>
             <a:r>
-              <a:rPr lang="en-US" smtClean="0"/>
+              <a:rPr lang="en-US"/>
               <a:t>Fifth level</a:t>
             </a:r>
             <a:endParaRPr lang="es-AR"/>
@@ -1651,7 +1651,7 @@
           <a:p>
             <a:fld id="{B5D4244E-F43E-4A3E-B15D-5267BC1062C4}" type="slidenum">
               <a:rPr lang="es-AR" smtClean="0"/>
-              <a:t>‹#›</a:t>
+              <a:t>‹Nº›</a:t>
             </a:fld>
             <a:endParaRPr lang="es-AR"/>
           </a:p>
@@ -1703,7 +1703,7 @@
           <a:lstStyle/>
           <a:p>
             <a:r>
-              <a:rPr lang="en-US" smtClean="0"/>
+              <a:rPr lang="en-US"/>
               <a:t>Click to edit Master title style</a:t>
             </a:r>
             <a:endParaRPr lang="es-AR"/>
@@ -1769,7 +1769,7 @@
           <a:p>
             <a:fld id="{B5D4244E-F43E-4A3E-B15D-5267BC1062C4}" type="slidenum">
               <a:rPr lang="es-AR" smtClean="0"/>
-              <a:t>‹#›</a:t>
+              <a:t>‹Nº›</a:t>
             </a:fld>
             <a:endParaRPr lang="es-AR"/>
           </a:p>
@@ -1864,7 +1864,7 @@
           <a:p>
             <a:fld id="{B5D4244E-F43E-4A3E-B15D-5267BC1062C4}" type="slidenum">
               <a:rPr lang="es-AR" smtClean="0"/>
-              <a:t>‹#›</a:t>
+              <a:t>‹Nº›</a:t>
             </a:fld>
             <a:endParaRPr lang="es-AR"/>
           </a:p>
@@ -1925,7 +1925,7 @@
           </a:lstStyle>
           <a:p>
             <a:r>
-              <a:rPr lang="en-US" smtClean="0"/>
+              <a:rPr lang="en-US"/>
               <a:t>Click to edit Master title style</a:t>
             </a:r>
             <a:endParaRPr lang="es-AR"/>
@@ -1982,35 +1982,35 @@
           <a:p>
             <a:pPr lvl="0"/>
             <a:r>
-              <a:rPr lang="en-US" smtClean="0"/>
+              <a:rPr lang="en-US"/>
               <a:t>Click to edit Master text styles</a:t>
             </a:r>
           </a:p>
           <a:p>
             <a:pPr lvl="1"/>
             <a:r>
-              <a:rPr lang="en-US" smtClean="0"/>
+              <a:rPr lang="en-US"/>
               <a:t>Second level</a:t>
             </a:r>
           </a:p>
           <a:p>
             <a:pPr lvl="2"/>
             <a:r>
-              <a:rPr lang="en-US" smtClean="0"/>
+              <a:rPr lang="en-US"/>
               <a:t>Third level</a:t>
             </a:r>
           </a:p>
           <a:p>
             <a:pPr lvl="3"/>
             <a:r>
-              <a:rPr lang="en-US" smtClean="0"/>
+              <a:rPr lang="en-US"/>
               <a:t>Fourth level</a:t>
             </a:r>
           </a:p>
           <a:p>
             <a:pPr lvl="4"/>
             <a:r>
-              <a:rPr lang="en-US" smtClean="0"/>
+              <a:rPr lang="en-US"/>
               <a:t>Fifth level</a:t>
             </a:r>
             <a:endParaRPr lang="es-AR"/>
@@ -2076,7 +2076,7 @@
           <a:p>
             <a:pPr lvl="0"/>
             <a:r>
-              <a:rPr lang="en-US" smtClean="0"/>
+              <a:rPr lang="en-US"/>
               <a:t>Click to edit Master text styles</a:t>
             </a:r>
           </a:p>
@@ -2141,7 +2141,7 @@
           <a:p>
             <a:fld id="{B5D4244E-F43E-4A3E-B15D-5267BC1062C4}" type="slidenum">
               <a:rPr lang="es-AR" smtClean="0"/>
-              <a:t>‹#›</a:t>
+              <a:t>‹Nº›</a:t>
             </a:fld>
             <a:endParaRPr lang="es-AR"/>
           </a:p>
@@ -2202,7 +2202,7 @@
           </a:lstStyle>
           <a:p>
             <a:r>
-              <a:rPr lang="en-US" smtClean="0"/>
+              <a:rPr lang="en-US"/>
               <a:t>Click to edit Master title style</a:t>
             </a:r>
             <a:endParaRPr lang="es-AR"/>
@@ -2329,7 +2329,7 @@
           <a:p>
             <a:pPr lvl="0"/>
             <a:r>
-              <a:rPr lang="en-US" smtClean="0"/>
+              <a:rPr lang="en-US"/>
               <a:t>Click to edit Master text styles</a:t>
             </a:r>
           </a:p>
@@ -2394,7 +2394,7 @@
           <a:p>
             <a:fld id="{B5D4244E-F43E-4A3E-B15D-5267BC1062C4}" type="slidenum">
               <a:rPr lang="es-AR" smtClean="0"/>
-              <a:t>‹#›</a:t>
+              <a:t>‹Nº›</a:t>
             </a:fld>
             <a:endParaRPr lang="es-AR"/>
           </a:p>
@@ -2461,7 +2461,7 @@
           <a:lstStyle/>
           <a:p>
             <a:r>
-              <a:rPr lang="en-US" smtClean="0"/>
+              <a:rPr lang="en-US"/>
               <a:t>Click to edit Master title style</a:t>
             </a:r>
             <a:endParaRPr lang="es-AR"/>
@@ -2495,35 +2495,35 @@
           <a:p>
             <a:pPr lvl="0"/>
             <a:r>
-              <a:rPr lang="en-US" smtClean="0"/>
+              <a:rPr lang="en-US"/>
               <a:t>Click to edit Master text styles</a:t>
             </a:r>
           </a:p>
           <a:p>
             <a:pPr lvl="1"/>
             <a:r>
-              <a:rPr lang="en-US" smtClean="0"/>
+              <a:rPr lang="en-US"/>
               <a:t>Second level</a:t>
             </a:r>
           </a:p>
           <a:p>
             <a:pPr lvl="2"/>
             <a:r>
-              <a:rPr lang="en-US" smtClean="0"/>
+              <a:rPr lang="en-US"/>
               <a:t>Third level</a:t>
             </a:r>
           </a:p>
           <a:p>
             <a:pPr lvl="3"/>
             <a:r>
-              <a:rPr lang="en-US" smtClean="0"/>
+              <a:rPr lang="en-US"/>
               <a:t>Fourth level</a:t>
             </a:r>
           </a:p>
           <a:p>
             <a:pPr lvl="4"/>
             <a:r>
-              <a:rPr lang="en-US" smtClean="0"/>
+              <a:rPr lang="en-US"/>
               <a:t>Fifth level</a:t>
             </a:r>
             <a:endParaRPr lang="es-AR"/>
@@ -2643,7 +2643,7 @@
           <a:p>
             <a:fld id="{B5D4244E-F43E-4A3E-B15D-5267BC1062C4}" type="slidenum">
               <a:rPr lang="es-AR" smtClean="0"/>
-              <a:t>‹#›</a:t>
+              <a:t>‹Nº›</a:t>
             </a:fld>
             <a:endParaRPr lang="es-AR"/>
           </a:p>
@@ -3066,6 +3066,135 @@
           </a:prstGeom>
         </p:spPr>
       </p:pic>
+      <p:sp>
+        <p:nvSpPr>
+          <p:cNvPr id="2" name="Rectángulo 1">
+            <a:extLst>
+              <a:ext uri="{FF2B5EF4-FFF2-40B4-BE49-F238E27FC236}">
+                <a16:creationId xmlns:a16="http://schemas.microsoft.com/office/drawing/2014/main" id="{9806B808-74B2-40F7-8B3F-DD003743B8F0}"/>
+              </a:ext>
+            </a:extLst>
+          </p:cNvPr>
+          <p:cNvSpPr/>
+          <p:nvPr/>
+        </p:nvSpPr>
+        <p:spPr>
+          <a:xfrm>
+            <a:off x="4628271" y="4318782"/>
+            <a:ext cx="2180492" cy="1012873"/>
+          </a:xfrm>
+          <a:prstGeom prst="rect">
+            <a:avLst/>
+          </a:prstGeom>
+          <a:noFill/>
+          <a:ln>
+            <a:solidFill>
+              <a:srgbClr val="C00000"/>
+            </a:solidFill>
+          </a:ln>
+        </p:spPr>
+        <p:style>
+          <a:lnRef idx="2">
+            <a:schemeClr val="accent1">
+              <a:shade val="50000"/>
+            </a:schemeClr>
+          </a:lnRef>
+          <a:fillRef idx="1">
+            <a:schemeClr val="accent1"/>
+          </a:fillRef>
+          <a:effectRef idx="0">
+            <a:schemeClr val="accent1"/>
+          </a:effectRef>
+          <a:fontRef idx="minor">
+            <a:schemeClr val="lt1"/>
+          </a:fontRef>
+        </p:style>
+        <p:txBody>
+          <a:bodyPr rtlCol="0" anchor="ctr"/>
+          <a:lstStyle/>
+          <a:p>
+            <a:pPr algn="ctr"/>
+            <a:endParaRPr lang="es-ES"/>
+          </a:p>
+        </p:txBody>
+      </p:sp>
+      <p:cxnSp>
+        <p:nvCxnSpPr>
+          <p:cNvPr id="7" name="Conector recto 6">
+            <a:extLst>
+              <a:ext uri="{FF2B5EF4-FFF2-40B4-BE49-F238E27FC236}">
+                <a16:creationId xmlns:a16="http://schemas.microsoft.com/office/drawing/2014/main" id="{92910F30-F05B-4D33-88C2-59802F97F30A}"/>
+              </a:ext>
+            </a:extLst>
+          </p:cNvPr>
+          <p:cNvCxnSpPr/>
+          <p:nvPr/>
+        </p:nvCxnSpPr>
+        <p:spPr>
+          <a:xfrm>
+            <a:off x="7484012" y="2616591"/>
+            <a:ext cx="1589650" cy="0"/>
+          </a:xfrm>
+          <a:prstGeom prst="line">
+            <a:avLst/>
+          </a:prstGeom>
+          <a:ln>
+            <a:solidFill>
+              <a:srgbClr val="FF0000"/>
+            </a:solidFill>
+          </a:ln>
+        </p:spPr>
+        <p:style>
+          <a:lnRef idx="1">
+            <a:schemeClr val="accent1"/>
+          </a:lnRef>
+          <a:fillRef idx="0">
+            <a:schemeClr val="accent1"/>
+          </a:fillRef>
+          <a:effectRef idx="0">
+            <a:schemeClr val="accent1"/>
+          </a:effectRef>
+          <a:fontRef idx="minor">
+            <a:schemeClr val="tx1"/>
+          </a:fontRef>
+        </p:style>
+      </p:cxnSp>
+      <p:sp>
+        <p:nvSpPr>
+          <p:cNvPr id="8" name="CuadroTexto 7">
+            <a:extLst>
+              <a:ext uri="{FF2B5EF4-FFF2-40B4-BE49-F238E27FC236}">
+                <a16:creationId xmlns:a16="http://schemas.microsoft.com/office/drawing/2014/main" id="{1D2F4FD3-A83E-4C91-8A74-346ECADE7BE5}"/>
+              </a:ext>
+            </a:extLst>
+          </p:cNvPr>
+          <p:cNvSpPr txBox="1"/>
+          <p:nvPr/>
+        </p:nvSpPr>
+        <p:spPr>
+          <a:xfrm>
+            <a:off x="7666892" y="2827606"/>
+            <a:ext cx="1252025" cy="369332"/>
+          </a:xfrm>
+          <a:prstGeom prst="rect">
+            <a:avLst/>
+          </a:prstGeom>
+          <a:noFill/>
+        </p:spPr>
+        <p:txBody>
+          <a:bodyPr wrap="square" rtlCol="0">
+            <a:spAutoFit/>
+          </a:bodyPr>
+          <a:lstStyle/>
+          <a:p>
+            <a:r>
+              <a:rPr lang="es-AR" dirty="0"/>
+              <a:t>WPG</a:t>
+            </a:r>
+            <a:endParaRPr lang="es-ES" dirty="0"/>
+          </a:p>
+        </p:txBody>
+      </p:sp>
     </p:spTree>
     <p:extLst>
       <p:ext uri="{BB962C8B-B14F-4D97-AF65-F5344CB8AC3E}">
